--- a/docs_notebooks/inverse.pptx
+++ b/docs_notebooks/inverse.pptx
@@ -204,7 +204,7 @@
           <a:p>
             <a:fld id="{07F57EFC-2184-EC43-B4CB-DB882E5E8751}" type="datetimeFigureOut">
               <a:rPr lang="en-US" smtClean="0"/>
-              <a:t>1/1/22</a:t>
+              <a:t>4/26/22</a:t>
             </a:fld>
             <a:endParaRPr lang="en-US"/>
           </a:p>
@@ -1038,7 +1038,7 @@
           <a:p>
             <a:fld id="{952835FF-3B0E-3041-AF8C-3F69E438AA42}" type="datetimeFigureOut">
               <a:rPr lang="en-US" smtClean="0"/>
-              <a:t>1/1/22</a:t>
+              <a:t>4/26/22</a:t>
             </a:fld>
             <a:endParaRPr lang="en-US"/>
           </a:p>
@@ -1236,7 +1236,7 @@
           <a:p>
             <a:fld id="{952835FF-3B0E-3041-AF8C-3F69E438AA42}" type="datetimeFigureOut">
               <a:rPr lang="en-US" smtClean="0"/>
-              <a:t>1/1/22</a:t>
+              <a:t>4/26/22</a:t>
             </a:fld>
             <a:endParaRPr lang="en-US"/>
           </a:p>
@@ -1444,7 +1444,7 @@
           <a:p>
             <a:fld id="{952835FF-3B0E-3041-AF8C-3F69E438AA42}" type="datetimeFigureOut">
               <a:rPr lang="en-US" smtClean="0"/>
-              <a:t>1/1/22</a:t>
+              <a:t>4/26/22</a:t>
             </a:fld>
             <a:endParaRPr lang="en-US"/>
           </a:p>
@@ -1642,7 +1642,7 @@
           <a:p>
             <a:fld id="{952835FF-3B0E-3041-AF8C-3F69E438AA42}" type="datetimeFigureOut">
               <a:rPr lang="en-US" smtClean="0"/>
-              <a:t>1/1/22</a:t>
+              <a:t>4/26/22</a:t>
             </a:fld>
             <a:endParaRPr lang="en-US"/>
           </a:p>
@@ -1917,7 +1917,7 @@
           <a:p>
             <a:fld id="{952835FF-3B0E-3041-AF8C-3F69E438AA42}" type="datetimeFigureOut">
               <a:rPr lang="en-US" smtClean="0"/>
-              <a:t>1/1/22</a:t>
+              <a:t>4/26/22</a:t>
             </a:fld>
             <a:endParaRPr lang="en-US"/>
           </a:p>
@@ -2182,7 +2182,7 @@
           <a:p>
             <a:fld id="{952835FF-3B0E-3041-AF8C-3F69E438AA42}" type="datetimeFigureOut">
               <a:rPr lang="en-US" smtClean="0"/>
-              <a:t>1/1/22</a:t>
+              <a:t>4/26/22</a:t>
             </a:fld>
             <a:endParaRPr lang="en-US"/>
           </a:p>
@@ -2594,7 +2594,7 @@
           <a:p>
             <a:fld id="{952835FF-3B0E-3041-AF8C-3F69E438AA42}" type="datetimeFigureOut">
               <a:rPr lang="en-US" smtClean="0"/>
-              <a:t>1/1/22</a:t>
+              <a:t>4/26/22</a:t>
             </a:fld>
             <a:endParaRPr lang="en-US"/>
           </a:p>
@@ -2735,7 +2735,7 @@
           <a:p>
             <a:fld id="{952835FF-3B0E-3041-AF8C-3F69E438AA42}" type="datetimeFigureOut">
               <a:rPr lang="en-US" smtClean="0"/>
-              <a:t>1/1/22</a:t>
+              <a:t>4/26/22</a:t>
             </a:fld>
             <a:endParaRPr lang="en-US"/>
           </a:p>
@@ -2848,7 +2848,7 @@
           <a:p>
             <a:fld id="{952835FF-3B0E-3041-AF8C-3F69E438AA42}" type="datetimeFigureOut">
               <a:rPr lang="en-US" smtClean="0"/>
-              <a:t>1/1/22</a:t>
+              <a:t>4/26/22</a:t>
             </a:fld>
             <a:endParaRPr lang="en-US"/>
           </a:p>
@@ -3159,7 +3159,7 @@
           <a:p>
             <a:fld id="{952835FF-3B0E-3041-AF8C-3F69E438AA42}" type="datetimeFigureOut">
               <a:rPr lang="en-US" smtClean="0"/>
-              <a:t>1/1/22</a:t>
+              <a:t>4/26/22</a:t>
             </a:fld>
             <a:endParaRPr lang="en-US"/>
           </a:p>
@@ -3447,7 +3447,7 @@
           <a:p>
             <a:fld id="{952835FF-3B0E-3041-AF8C-3F69E438AA42}" type="datetimeFigureOut">
               <a:rPr lang="en-US" smtClean="0"/>
-              <a:t>1/1/22</a:t>
+              <a:t>4/26/22</a:t>
             </a:fld>
             <a:endParaRPr lang="en-US"/>
           </a:p>
@@ -3688,7 +3688,7 @@
           <a:p>
             <a:fld id="{952835FF-3B0E-3041-AF8C-3F69E438AA42}" type="datetimeFigureOut">
               <a:rPr lang="en-US" smtClean="0"/>
-              <a:t>1/1/22</a:t>
+              <a:t>4/26/22</a:t>
             </a:fld>
             <a:endParaRPr lang="en-US"/>
           </a:p>
@@ -4191,10 +4191,10 @@
           </p:nvGrpSpPr>
           <p:grpSpPr>
             <a:xfrm>
-              <a:off x="757251" y="490889"/>
-              <a:ext cx="6745933" cy="2337081"/>
-              <a:chOff x="757251" y="490889"/>
-              <a:chExt cx="6745933" cy="2337081"/>
+              <a:off x="757251" y="383558"/>
+              <a:ext cx="6584030" cy="2444412"/>
+              <a:chOff x="757251" y="383558"/>
+              <a:chExt cx="6584030" cy="2444412"/>
             </a:xfrm>
           </p:grpSpPr>
           <p:sp>
@@ -5602,8 +5602,8 @@
             </p:nvSpPr>
             <p:spPr>
               <a:xfrm>
-                <a:off x="2352203" y="490889"/>
-                <a:ext cx="1045479" cy="261610"/>
+                <a:off x="2542159" y="383558"/>
+                <a:ext cx="665567" cy="430887"/>
               </a:xfrm>
               <a:prstGeom prst="rect">
                 <a:avLst/>
@@ -5619,7 +5619,14 @@
                 <a:pPr algn="ctr"/>
                 <a:r>
                   <a:rPr lang="en-US" sz="1100" noProof="1"/>
-                  <a:t>assign to i-quib</a:t>
+                  <a:t>Assign</a:t>
+                </a:r>
+              </a:p>
+              <a:p>
+                <a:pPr algn="ctr"/>
+                <a:r>
+                  <a:rPr lang="en-US" sz="1100" noProof="1"/>
+                  <a:t>to i-quib</a:t>
                 </a:r>
               </a:p>
             </p:txBody>
@@ -5638,8 +5645,8 @@
             </p:nvSpPr>
             <p:spPr>
               <a:xfrm>
-                <a:off x="3355219" y="490889"/>
-                <a:ext cx="1093569" cy="261610"/>
+                <a:off x="3517122" y="383558"/>
+                <a:ext cx="769763" cy="430887"/>
               </a:xfrm>
               <a:prstGeom prst="rect">
                 <a:avLst/>
@@ -5655,7 +5662,14 @@
                 <a:pPr algn="ctr"/>
                 <a:r>
                   <a:rPr lang="en-US" sz="1100" dirty="0"/>
-                  <a:t>open dialog box</a:t>
+                  <a:t>Open</a:t>
+                </a:r>
+              </a:p>
+              <a:p>
+                <a:pPr algn="ctr"/>
+                <a:r>
+                  <a:rPr lang="en-US" sz="1100" dirty="0"/>
+                  <a:t>dialog box</a:t>
                 </a:r>
               </a:p>
             </p:txBody>
@@ -6118,8 +6132,8 @@
             </p:nvSpPr>
             <p:spPr>
               <a:xfrm>
-                <a:off x="4436951" y="490889"/>
-                <a:ext cx="1045479" cy="261610"/>
+                <a:off x="4626907" y="383558"/>
+                <a:ext cx="665567" cy="430887"/>
               </a:xfrm>
               <a:prstGeom prst="rect">
                 <a:avLst/>
@@ -6134,8 +6148,23 @@
               <a:p>
                 <a:pPr algn="ctr"/>
                 <a:r>
-                  <a:rPr lang="en-US" sz="1100"/>
-                  <a:t>assign to i-quib</a:t>
+                  <a:rPr lang="en-US" sz="1100" dirty="0"/>
+                  <a:t>Assign</a:t>
+                </a:r>
+              </a:p>
+              <a:p>
+                <a:pPr algn="ctr"/>
+                <a:r>
+                  <a:rPr lang="en-US" sz="1100" dirty="0"/>
+                  <a:t>to </a:t>
+                </a:r>
+                <a:r>
+                  <a:rPr lang="en-US" sz="1100" dirty="0" err="1"/>
+                  <a:t>i</a:t>
+                </a:r>
+                <a:r>
+                  <a:rPr lang="en-US" sz="1100" dirty="0"/>
+                  <a:t>-quib</a:t>
                 </a:r>
               </a:p>
             </p:txBody>
@@ -6556,8 +6585,8 @@
             </p:nvSpPr>
             <p:spPr>
               <a:xfrm>
-                <a:off x="5522907" y="490889"/>
-                <a:ext cx="917238" cy="261610"/>
+                <a:off x="5708053" y="383558"/>
+                <a:ext cx="546946" cy="430887"/>
               </a:xfrm>
               <a:prstGeom prst="rect">
                 <a:avLst/>
@@ -6573,7 +6602,14 @@
                 <a:pPr algn="ctr"/>
                 <a:r>
                   <a:rPr lang="en-US" sz="1100" noProof="1"/>
-                  <a:t>assign to self</a:t>
+                  <a:t>Assign</a:t>
+                </a:r>
+              </a:p>
+              <a:p>
+                <a:pPr algn="ctr"/>
+                <a:r>
+                  <a:rPr lang="en-US" sz="1100" noProof="1"/>
+                  <a:t>to self</a:t>
                 </a:r>
               </a:p>
             </p:txBody>
@@ -8221,8 +8257,8 @@
             </p:nvSpPr>
             <p:spPr>
               <a:xfrm>
-                <a:off x="6409615" y="490889"/>
-                <a:ext cx="1093569" cy="261610"/>
+                <a:off x="6571518" y="383558"/>
+                <a:ext cx="769763" cy="430887"/>
               </a:xfrm>
               <a:prstGeom prst="rect">
                 <a:avLst/>
@@ -8238,7 +8274,14 @@
                 <a:pPr algn="ctr"/>
                 <a:r>
                   <a:rPr lang="en-US" sz="1100" dirty="0"/>
-                  <a:t>open dialog box</a:t>
+                  <a:t>Open</a:t>
+                </a:r>
+              </a:p>
+              <a:p>
+                <a:pPr algn="ctr"/>
+                <a:r>
+                  <a:rPr lang="en-US" sz="1100" dirty="0"/>
+                  <a:t>dialog box</a:t>
                 </a:r>
               </a:p>
             </p:txBody>

--- a/docs_notebooks/inverse.pptx
+++ b/docs_notebooks/inverse.pptx
@@ -204,7 +204,7 @@
           <a:p>
             <a:fld id="{07F57EFC-2184-EC43-B4CB-DB882E5E8751}" type="datetimeFigureOut">
               <a:rPr lang="en-US" smtClean="0"/>
-              <a:t>4/26/22</a:t>
+              <a:t>5/11/22</a:t>
             </a:fld>
             <a:endParaRPr lang="en-US"/>
           </a:p>
@@ -1038,7 +1038,7 @@
           <a:p>
             <a:fld id="{952835FF-3B0E-3041-AF8C-3F69E438AA42}" type="datetimeFigureOut">
               <a:rPr lang="en-US" smtClean="0"/>
-              <a:t>4/26/22</a:t>
+              <a:t>5/11/22</a:t>
             </a:fld>
             <a:endParaRPr lang="en-US"/>
           </a:p>
@@ -1236,7 +1236,7 @@
           <a:p>
             <a:fld id="{952835FF-3B0E-3041-AF8C-3F69E438AA42}" type="datetimeFigureOut">
               <a:rPr lang="en-US" smtClean="0"/>
-              <a:t>4/26/22</a:t>
+              <a:t>5/11/22</a:t>
             </a:fld>
             <a:endParaRPr lang="en-US"/>
           </a:p>
@@ -1444,7 +1444,7 @@
           <a:p>
             <a:fld id="{952835FF-3B0E-3041-AF8C-3F69E438AA42}" type="datetimeFigureOut">
               <a:rPr lang="en-US" smtClean="0"/>
-              <a:t>4/26/22</a:t>
+              <a:t>5/11/22</a:t>
             </a:fld>
             <a:endParaRPr lang="en-US"/>
           </a:p>
@@ -1642,7 +1642,7 @@
           <a:p>
             <a:fld id="{952835FF-3B0E-3041-AF8C-3F69E438AA42}" type="datetimeFigureOut">
               <a:rPr lang="en-US" smtClean="0"/>
-              <a:t>4/26/22</a:t>
+              <a:t>5/11/22</a:t>
             </a:fld>
             <a:endParaRPr lang="en-US"/>
           </a:p>
@@ -1917,7 +1917,7 @@
           <a:p>
             <a:fld id="{952835FF-3B0E-3041-AF8C-3F69E438AA42}" type="datetimeFigureOut">
               <a:rPr lang="en-US" smtClean="0"/>
-              <a:t>4/26/22</a:t>
+              <a:t>5/11/22</a:t>
             </a:fld>
             <a:endParaRPr lang="en-US"/>
           </a:p>
@@ -2182,7 +2182,7 @@
           <a:p>
             <a:fld id="{952835FF-3B0E-3041-AF8C-3F69E438AA42}" type="datetimeFigureOut">
               <a:rPr lang="en-US" smtClean="0"/>
-              <a:t>4/26/22</a:t>
+              <a:t>5/11/22</a:t>
             </a:fld>
             <a:endParaRPr lang="en-US"/>
           </a:p>
@@ -2594,7 +2594,7 @@
           <a:p>
             <a:fld id="{952835FF-3B0E-3041-AF8C-3F69E438AA42}" type="datetimeFigureOut">
               <a:rPr lang="en-US" smtClean="0"/>
-              <a:t>4/26/22</a:t>
+              <a:t>5/11/22</a:t>
             </a:fld>
             <a:endParaRPr lang="en-US"/>
           </a:p>
@@ -2735,7 +2735,7 @@
           <a:p>
             <a:fld id="{952835FF-3B0E-3041-AF8C-3F69E438AA42}" type="datetimeFigureOut">
               <a:rPr lang="en-US" smtClean="0"/>
-              <a:t>4/26/22</a:t>
+              <a:t>5/11/22</a:t>
             </a:fld>
             <a:endParaRPr lang="en-US"/>
           </a:p>
@@ -2848,7 +2848,7 @@
           <a:p>
             <a:fld id="{952835FF-3B0E-3041-AF8C-3F69E438AA42}" type="datetimeFigureOut">
               <a:rPr lang="en-US" smtClean="0"/>
-              <a:t>4/26/22</a:t>
+              <a:t>5/11/22</a:t>
             </a:fld>
             <a:endParaRPr lang="en-US"/>
           </a:p>
@@ -3159,7 +3159,7 @@
           <a:p>
             <a:fld id="{952835FF-3B0E-3041-AF8C-3F69E438AA42}" type="datetimeFigureOut">
               <a:rPr lang="en-US" smtClean="0"/>
-              <a:t>4/26/22</a:t>
+              <a:t>5/11/22</a:t>
             </a:fld>
             <a:endParaRPr lang="en-US"/>
           </a:p>
@@ -3447,7 +3447,7 @@
           <a:p>
             <a:fld id="{952835FF-3B0E-3041-AF8C-3F69E438AA42}" type="datetimeFigureOut">
               <a:rPr lang="en-US" smtClean="0"/>
-              <a:t>4/26/22</a:t>
+              <a:t>5/11/22</a:t>
             </a:fld>
             <a:endParaRPr lang="en-US"/>
           </a:p>
@@ -3688,7 +3688,7 @@
           <a:p>
             <a:fld id="{952835FF-3B0E-3041-AF8C-3F69E438AA42}" type="datetimeFigureOut">
               <a:rPr lang="en-US" smtClean="0"/>
-              <a:t>4/26/22</a:t>
+              <a:t>5/11/22</a:t>
             </a:fld>
             <a:endParaRPr lang="en-US"/>
           </a:p>
@@ -14447,8 +14447,9 @@
             <a:avLst/>
           </a:prstGeom>
           <a:solidFill>
-            <a:schemeClr val="bg1">
-              <a:lumMod val="85000"/>
+            <a:schemeClr val="accent6">
+              <a:lumMod val="20000"/>
+              <a:lumOff val="80000"/>
             </a:schemeClr>
           </a:solidFill>
           <a:ln>
@@ -14477,7 +14478,7 @@
           </a:fontRef>
         </p:style>
         <p:txBody>
-          <a:bodyPr rtlCol="0" anchor="ctr"/>
+          <a:bodyPr lIns="0" rIns="0" rtlCol="0" anchor="ctr"/>
           <a:lstStyle/>
           <a:p>
             <a:pPr algn="ctr"/>
@@ -14543,7 +14544,7 @@
           </a:fontRef>
         </p:style>
         <p:txBody>
-          <a:bodyPr rtlCol="0" anchor="ctr"/>
+          <a:bodyPr lIns="0" rIns="0" rtlCol="0" anchor="ctr"/>
           <a:lstStyle/>
           <a:p>
             <a:pPr algn="ctr"/>
@@ -14609,7 +14610,7 @@
           </a:fontRef>
         </p:style>
         <p:txBody>
-          <a:bodyPr rtlCol="0" anchor="ctr"/>
+          <a:bodyPr lIns="0" rIns="0" rtlCol="0" anchor="ctr"/>
           <a:lstStyle/>
           <a:p>
             <a:pPr algn="ctr"/>
@@ -14619,7 +14620,7 @@
                   <a:schemeClr val="tx1"/>
                 </a:solidFill>
               </a:rPr>
-              <a:t>0</a:t>
+              <a:t>16</a:t>
             </a:r>
           </a:p>
         </p:txBody>
@@ -14675,7 +14676,7 @@
           </a:fontRef>
         </p:style>
         <p:txBody>
-          <a:bodyPr rtlCol="0" anchor="ctr"/>
+          <a:bodyPr lIns="0" rIns="0" rtlCol="0" anchor="ctr"/>
           <a:lstStyle/>
           <a:p>
             <a:pPr algn="ctr"/>
@@ -14685,7 +14686,7 @@
                   <a:schemeClr val="tx1"/>
                 </a:solidFill>
               </a:rPr>
-              <a:t>0</a:t>
+              <a:t>2</a:t>
             </a:r>
           </a:p>
         </p:txBody>
@@ -14741,7 +14742,7 @@
           </a:fontRef>
         </p:style>
         <p:txBody>
-          <a:bodyPr rtlCol="0" anchor="ctr"/>
+          <a:bodyPr lIns="0" rIns="0" rtlCol="0" anchor="ctr"/>
           <a:lstStyle/>
           <a:p>
             <a:pPr algn="ctr"/>
@@ -14807,271 +14808,7 @@
           </a:fontRef>
         </p:style>
         <p:txBody>
-          <a:bodyPr rtlCol="0" anchor="ctr"/>
-          <a:lstStyle/>
-          <a:p>
-            <a:pPr algn="ctr"/>
-            <a:r>
-              <a:rPr lang="en-US" sz="1400" dirty="0">
-                <a:solidFill>
-                  <a:schemeClr val="tx1"/>
-                </a:solidFill>
-              </a:rPr>
-              <a:t>4</a:t>
-            </a:r>
-          </a:p>
-        </p:txBody>
-      </p:sp>
-      <p:sp>
-        <p:nvSpPr>
-          <p:cNvPr id="40" name="Rectangle 39">
-            <a:extLst>
-              <a:ext uri="{FF2B5EF4-FFF2-40B4-BE49-F238E27FC236}">
-                <a16:creationId xmlns:a16="http://schemas.microsoft.com/office/drawing/2014/main" id="{6EA5306A-706E-AE44-837F-3E0FDC5CF851}"/>
-              </a:ext>
-            </a:extLst>
-          </p:cNvPr>
-          <p:cNvSpPr/>
-          <p:nvPr/>
-        </p:nvSpPr>
-        <p:spPr>
-          <a:xfrm>
-            <a:off x="3014656" y="1088608"/>
-            <a:ext cx="336884" cy="336884"/>
-          </a:xfrm>
-          <a:prstGeom prst="rect">
-            <a:avLst/>
-          </a:prstGeom>
-          <a:solidFill>
-            <a:schemeClr val="bg1">
-              <a:lumMod val="85000"/>
-            </a:schemeClr>
-          </a:solidFill>
-          <a:ln>
-            <a:solidFill>
-              <a:schemeClr val="tx1">
-                <a:lumMod val="50000"/>
-                <a:lumOff val="50000"/>
-              </a:schemeClr>
-            </a:solidFill>
-          </a:ln>
-        </p:spPr>
-        <p:style>
-          <a:lnRef idx="2">
-            <a:schemeClr val="accent1">
-              <a:shade val="50000"/>
-            </a:schemeClr>
-          </a:lnRef>
-          <a:fillRef idx="1">
-            <a:schemeClr val="accent1"/>
-          </a:fillRef>
-          <a:effectRef idx="0">
-            <a:schemeClr val="accent1"/>
-          </a:effectRef>
-          <a:fontRef idx="minor">
-            <a:schemeClr val="lt1"/>
-          </a:fontRef>
-        </p:style>
-        <p:txBody>
-          <a:bodyPr rtlCol="0" anchor="ctr"/>
-          <a:lstStyle/>
-          <a:p>
-            <a:pPr algn="ctr"/>
-            <a:r>
-              <a:rPr lang="en-US" sz="1400" dirty="0">
-                <a:solidFill>
-                  <a:schemeClr val="tx1"/>
-                </a:solidFill>
-              </a:rPr>
-              <a:t>8</a:t>
-            </a:r>
-          </a:p>
-        </p:txBody>
-      </p:sp>
-      <p:sp>
-        <p:nvSpPr>
-          <p:cNvPr id="41" name="Rectangle 40">
-            <a:extLst>
-              <a:ext uri="{FF2B5EF4-FFF2-40B4-BE49-F238E27FC236}">
-                <a16:creationId xmlns:a16="http://schemas.microsoft.com/office/drawing/2014/main" id="{89596CBD-CF5A-C14B-82B6-FC9E6452954A}"/>
-              </a:ext>
-            </a:extLst>
-          </p:cNvPr>
-          <p:cNvSpPr/>
-          <p:nvPr/>
-        </p:nvSpPr>
-        <p:spPr>
-          <a:xfrm>
-            <a:off x="3419770" y="1088608"/>
-            <a:ext cx="336884" cy="336884"/>
-          </a:xfrm>
-          <a:prstGeom prst="rect">
-            <a:avLst/>
-          </a:prstGeom>
-          <a:solidFill>
-            <a:schemeClr val="bg1">
-              <a:lumMod val="85000"/>
-            </a:schemeClr>
-          </a:solidFill>
-          <a:ln>
-            <a:solidFill>
-              <a:schemeClr val="tx1">
-                <a:lumMod val="50000"/>
-                <a:lumOff val="50000"/>
-              </a:schemeClr>
-            </a:solidFill>
-          </a:ln>
-        </p:spPr>
-        <p:style>
-          <a:lnRef idx="2">
-            <a:schemeClr val="accent1">
-              <a:shade val="50000"/>
-            </a:schemeClr>
-          </a:lnRef>
-          <a:fillRef idx="1">
-            <a:schemeClr val="accent1"/>
-          </a:fillRef>
-          <a:effectRef idx="0">
-            <a:schemeClr val="accent1"/>
-          </a:effectRef>
-          <a:fontRef idx="minor">
-            <a:schemeClr val="lt1"/>
-          </a:fontRef>
-        </p:style>
-        <p:txBody>
-          <a:bodyPr rtlCol="0" anchor="ctr"/>
-          <a:lstStyle/>
-          <a:p>
-            <a:pPr algn="ctr"/>
-            <a:r>
-              <a:rPr lang="en-US" sz="1400" dirty="0">
-                <a:solidFill>
-                  <a:schemeClr val="tx1"/>
-                </a:solidFill>
-              </a:rPr>
-              <a:t>1</a:t>
-            </a:r>
-          </a:p>
-        </p:txBody>
-      </p:sp>
-      <p:sp>
-        <p:nvSpPr>
-          <p:cNvPr id="42" name="Rectangle 41">
-            <a:extLst>
-              <a:ext uri="{FF2B5EF4-FFF2-40B4-BE49-F238E27FC236}">
-                <a16:creationId xmlns:a16="http://schemas.microsoft.com/office/drawing/2014/main" id="{5C4E90DE-73C8-9744-A74E-D5D648668E0F}"/>
-              </a:ext>
-            </a:extLst>
-          </p:cNvPr>
-          <p:cNvSpPr/>
-          <p:nvPr/>
-        </p:nvSpPr>
-        <p:spPr>
-          <a:xfrm>
-            <a:off x="3014656" y="3544096"/>
-            <a:ext cx="336884" cy="336884"/>
-          </a:xfrm>
-          <a:prstGeom prst="rect">
-            <a:avLst/>
-          </a:prstGeom>
-          <a:solidFill>
-            <a:schemeClr val="bg1">
-              <a:lumMod val="85000"/>
-            </a:schemeClr>
-          </a:solidFill>
-          <a:ln>
-            <a:solidFill>
-              <a:schemeClr val="tx1">
-                <a:lumMod val="50000"/>
-                <a:lumOff val="50000"/>
-              </a:schemeClr>
-            </a:solidFill>
-          </a:ln>
-        </p:spPr>
-        <p:style>
-          <a:lnRef idx="2">
-            <a:schemeClr val="accent1">
-              <a:shade val="50000"/>
-            </a:schemeClr>
-          </a:lnRef>
-          <a:fillRef idx="1">
-            <a:schemeClr val="accent1"/>
-          </a:fillRef>
-          <a:effectRef idx="0">
-            <a:schemeClr val="accent1"/>
-          </a:effectRef>
-          <a:fontRef idx="minor">
-            <a:schemeClr val="lt1"/>
-          </a:fontRef>
-        </p:style>
-        <p:txBody>
-          <a:bodyPr rtlCol="0" anchor="ctr"/>
-          <a:lstStyle/>
-          <a:p>
-            <a:pPr algn="ctr"/>
-            <a:r>
-              <a:rPr lang="en-US" sz="1400" dirty="0">
-                <a:solidFill>
-                  <a:schemeClr val="tx1"/>
-                </a:solidFill>
-              </a:rPr>
-              <a:t>2</a:t>
-            </a:r>
-          </a:p>
-        </p:txBody>
-      </p:sp>
-      <p:sp>
-        <p:nvSpPr>
-          <p:cNvPr id="43" name="Rectangle 42">
-            <a:extLst>
-              <a:ext uri="{FF2B5EF4-FFF2-40B4-BE49-F238E27FC236}">
-                <a16:creationId xmlns:a16="http://schemas.microsoft.com/office/drawing/2014/main" id="{7751829F-D8A9-7E4E-9715-4841FF514D13}"/>
-              </a:ext>
-            </a:extLst>
-          </p:cNvPr>
-          <p:cNvSpPr/>
-          <p:nvPr/>
-        </p:nvSpPr>
-        <p:spPr>
-          <a:xfrm>
-            <a:off x="3419770" y="3544096"/>
-            <a:ext cx="336884" cy="336884"/>
-          </a:xfrm>
-          <a:prstGeom prst="rect">
-            <a:avLst/>
-          </a:prstGeom>
-          <a:solidFill>
-            <a:schemeClr val="bg1">
-              <a:lumMod val="85000"/>
-            </a:schemeClr>
-          </a:solidFill>
-          <a:ln>
-            <a:solidFill>
-              <a:schemeClr val="tx1">
-                <a:lumMod val="50000"/>
-                <a:lumOff val="50000"/>
-              </a:schemeClr>
-            </a:solidFill>
-          </a:ln>
-        </p:spPr>
-        <p:style>
-          <a:lnRef idx="2">
-            <a:schemeClr val="accent1">
-              <a:shade val="50000"/>
-            </a:schemeClr>
-          </a:lnRef>
-          <a:fillRef idx="1">
-            <a:schemeClr val="accent1"/>
-          </a:fillRef>
-          <a:effectRef idx="0">
-            <a:schemeClr val="accent1"/>
-          </a:effectRef>
-          <a:fontRef idx="minor">
-            <a:schemeClr val="lt1"/>
-          </a:fontRef>
-        </p:style>
-        <p:txBody>
-          <a:bodyPr rtlCol="0" anchor="ctr"/>
+          <a:bodyPr lIns="0" rIns="0" rtlCol="0" anchor="ctr"/>
           <a:lstStyle/>
           <a:p>
             <a:pPr algn="ctr"/>
@@ -15137,7 +14874,7 @@
           </a:fontRef>
         </p:style>
         <p:txBody>
-          <a:bodyPr rtlCol="0" anchor="ctr"/>
+          <a:bodyPr lIns="0" rIns="0" rtlCol="0" anchor="ctr"/>
           <a:lstStyle/>
           <a:p>
             <a:pPr algn="ctr"/>
@@ -15203,7 +14940,7 @@
           </a:fontRef>
         </p:style>
         <p:txBody>
-          <a:bodyPr rtlCol="0" anchor="ctr"/>
+          <a:bodyPr lIns="0" rIns="0" rtlCol="0" anchor="ctr"/>
           <a:lstStyle/>
           <a:p>
             <a:pPr algn="ctr"/>
@@ -15269,7 +15006,7 @@
           </a:fontRef>
         </p:style>
         <p:txBody>
-          <a:bodyPr rtlCol="0" anchor="ctr"/>
+          <a:bodyPr lIns="0" rIns="0" rtlCol="0" anchor="ctr"/>
           <a:lstStyle/>
           <a:p>
             <a:pPr algn="ctr"/>
@@ -15335,7 +15072,7 @@
           </a:fontRef>
         </p:style>
         <p:txBody>
-          <a:bodyPr rtlCol="0" anchor="ctr"/>
+          <a:bodyPr lIns="0" rIns="0" rtlCol="0" anchor="ctr"/>
           <a:lstStyle/>
           <a:p>
             <a:pPr algn="ctr"/>
@@ -15401,7 +15138,7 @@
           </a:fontRef>
         </p:style>
         <p:txBody>
-          <a:bodyPr rtlCol="0" anchor="ctr"/>
+          <a:bodyPr lIns="0" rIns="0" rtlCol="0" anchor="ctr"/>
           <a:lstStyle/>
           <a:p>
             <a:pPr algn="ctr"/>
@@ -15467,7 +15204,7 @@
           </a:fontRef>
         </p:style>
         <p:txBody>
-          <a:bodyPr rtlCol="0" anchor="ctr"/>
+          <a:bodyPr lIns="0" rIns="0" rtlCol="0" anchor="ctr"/>
           <a:lstStyle/>
           <a:p>
             <a:pPr algn="ctr"/>
@@ -15533,7 +15270,7 @@
           </a:fontRef>
         </p:style>
         <p:txBody>
-          <a:bodyPr rtlCol="0" anchor="ctr"/>
+          <a:bodyPr lIns="0" rIns="0" rtlCol="0" anchor="ctr"/>
           <a:lstStyle/>
           <a:p>
             <a:pPr algn="ctr"/>
@@ -15599,7 +15336,7 @@
           </a:fontRef>
         </p:style>
         <p:txBody>
-          <a:bodyPr rtlCol="0" anchor="ctr"/>
+          <a:bodyPr lIns="0" rIns="0" rtlCol="0" anchor="ctr"/>
           <a:lstStyle/>
           <a:p>
             <a:pPr algn="ctr"/>
@@ -15610,6 +15347,270 @@
                 </a:solidFill>
               </a:rPr>
               <a:t>12</a:t>
+            </a:r>
+          </a:p>
+        </p:txBody>
+      </p:sp>
+      <p:sp>
+        <p:nvSpPr>
+          <p:cNvPr id="22" name="Rectangle 21">
+            <a:extLst>
+              <a:ext uri="{FF2B5EF4-FFF2-40B4-BE49-F238E27FC236}">
+                <a16:creationId xmlns:a16="http://schemas.microsoft.com/office/drawing/2014/main" id="{3C851F06-5D71-8715-5295-C2CA04F9DEE3}"/>
+              </a:ext>
+            </a:extLst>
+          </p:cNvPr>
+          <p:cNvSpPr/>
+          <p:nvPr/>
+        </p:nvSpPr>
+        <p:spPr>
+          <a:xfrm>
+            <a:off x="2724680" y="1005932"/>
+            <a:ext cx="336884" cy="336884"/>
+          </a:xfrm>
+          <a:prstGeom prst="rect">
+            <a:avLst/>
+          </a:prstGeom>
+          <a:solidFill>
+            <a:schemeClr val="bg1">
+              <a:lumMod val="85000"/>
+            </a:schemeClr>
+          </a:solidFill>
+          <a:ln>
+            <a:solidFill>
+              <a:schemeClr val="tx1">
+                <a:lumMod val="50000"/>
+                <a:lumOff val="50000"/>
+              </a:schemeClr>
+            </a:solidFill>
+          </a:ln>
+        </p:spPr>
+        <p:style>
+          <a:lnRef idx="2">
+            <a:schemeClr val="accent1">
+              <a:shade val="50000"/>
+            </a:schemeClr>
+          </a:lnRef>
+          <a:fillRef idx="1">
+            <a:schemeClr val="accent1"/>
+          </a:fillRef>
+          <a:effectRef idx="0">
+            <a:schemeClr val="accent1"/>
+          </a:effectRef>
+          <a:fontRef idx="minor">
+            <a:schemeClr val="lt1"/>
+          </a:fontRef>
+        </p:style>
+        <p:txBody>
+          <a:bodyPr lIns="0" rIns="0" rtlCol="0" anchor="ctr"/>
+          <a:lstStyle/>
+          <a:p>
+            <a:pPr algn="ctr"/>
+            <a:r>
+              <a:rPr lang="en-US" sz="1400" dirty="0">
+                <a:solidFill>
+                  <a:schemeClr val="tx1"/>
+                </a:solidFill>
+              </a:rPr>
+              <a:t>8</a:t>
+            </a:r>
+          </a:p>
+        </p:txBody>
+      </p:sp>
+      <p:sp>
+        <p:nvSpPr>
+          <p:cNvPr id="23" name="Rectangle 22">
+            <a:extLst>
+              <a:ext uri="{FF2B5EF4-FFF2-40B4-BE49-F238E27FC236}">
+                <a16:creationId xmlns:a16="http://schemas.microsoft.com/office/drawing/2014/main" id="{55F2BC1C-8AA3-87B4-B46B-ADAEB1B707B7}"/>
+              </a:ext>
+            </a:extLst>
+          </p:cNvPr>
+          <p:cNvSpPr/>
+          <p:nvPr/>
+        </p:nvSpPr>
+        <p:spPr>
+          <a:xfrm>
+            <a:off x="3129794" y="1005932"/>
+            <a:ext cx="336884" cy="336884"/>
+          </a:xfrm>
+          <a:prstGeom prst="rect">
+            <a:avLst/>
+          </a:prstGeom>
+          <a:solidFill>
+            <a:schemeClr val="bg1">
+              <a:lumMod val="85000"/>
+            </a:schemeClr>
+          </a:solidFill>
+          <a:ln>
+            <a:solidFill>
+              <a:schemeClr val="tx1">
+                <a:lumMod val="50000"/>
+                <a:lumOff val="50000"/>
+              </a:schemeClr>
+            </a:solidFill>
+          </a:ln>
+        </p:spPr>
+        <p:style>
+          <a:lnRef idx="2">
+            <a:schemeClr val="accent1">
+              <a:shade val="50000"/>
+            </a:schemeClr>
+          </a:lnRef>
+          <a:fillRef idx="1">
+            <a:schemeClr val="accent1"/>
+          </a:fillRef>
+          <a:effectRef idx="0">
+            <a:schemeClr val="accent1"/>
+          </a:effectRef>
+          <a:fontRef idx="minor">
+            <a:schemeClr val="lt1"/>
+          </a:fontRef>
+        </p:style>
+        <p:txBody>
+          <a:bodyPr lIns="0" rIns="0" rtlCol="0" anchor="ctr"/>
+          <a:lstStyle/>
+          <a:p>
+            <a:pPr algn="ctr"/>
+            <a:r>
+              <a:rPr lang="en-US" sz="1400" dirty="0">
+                <a:solidFill>
+                  <a:schemeClr val="tx1"/>
+                </a:solidFill>
+              </a:rPr>
+              <a:t>1</a:t>
+            </a:r>
+          </a:p>
+        </p:txBody>
+      </p:sp>
+      <p:sp>
+        <p:nvSpPr>
+          <p:cNvPr id="32" name="Rectangle 31">
+            <a:extLst>
+              <a:ext uri="{FF2B5EF4-FFF2-40B4-BE49-F238E27FC236}">
+                <a16:creationId xmlns:a16="http://schemas.microsoft.com/office/drawing/2014/main" id="{7659F4F5-DCEC-FC10-EB69-DDDFE06964A4}"/>
+              </a:ext>
+            </a:extLst>
+          </p:cNvPr>
+          <p:cNvSpPr/>
+          <p:nvPr/>
+        </p:nvSpPr>
+        <p:spPr>
+          <a:xfrm>
+            <a:off x="2724680" y="3508239"/>
+            <a:ext cx="336884" cy="336884"/>
+          </a:xfrm>
+          <a:prstGeom prst="rect">
+            <a:avLst/>
+          </a:prstGeom>
+          <a:solidFill>
+            <a:schemeClr val="bg1">
+              <a:lumMod val="85000"/>
+            </a:schemeClr>
+          </a:solidFill>
+          <a:ln>
+            <a:solidFill>
+              <a:schemeClr val="tx1">
+                <a:lumMod val="50000"/>
+                <a:lumOff val="50000"/>
+              </a:schemeClr>
+            </a:solidFill>
+          </a:ln>
+        </p:spPr>
+        <p:style>
+          <a:lnRef idx="2">
+            <a:schemeClr val="accent1">
+              <a:shade val="50000"/>
+            </a:schemeClr>
+          </a:lnRef>
+          <a:fillRef idx="1">
+            <a:schemeClr val="accent1"/>
+          </a:fillRef>
+          <a:effectRef idx="0">
+            <a:schemeClr val="accent1"/>
+          </a:effectRef>
+          <a:fontRef idx="minor">
+            <a:schemeClr val="lt1"/>
+          </a:fontRef>
+        </p:style>
+        <p:txBody>
+          <a:bodyPr lIns="0" rIns="0" rtlCol="0" anchor="ctr"/>
+          <a:lstStyle/>
+          <a:p>
+            <a:pPr algn="ctr"/>
+            <a:r>
+              <a:rPr lang="en-US" sz="1400" dirty="0">
+                <a:solidFill>
+                  <a:schemeClr val="tx1"/>
+                </a:solidFill>
+              </a:rPr>
+              <a:t>2</a:t>
+            </a:r>
+          </a:p>
+        </p:txBody>
+      </p:sp>
+      <p:sp>
+        <p:nvSpPr>
+          <p:cNvPr id="33" name="Rectangle 32">
+            <a:extLst>
+              <a:ext uri="{FF2B5EF4-FFF2-40B4-BE49-F238E27FC236}">
+                <a16:creationId xmlns:a16="http://schemas.microsoft.com/office/drawing/2014/main" id="{D390DB28-2B19-FBE2-ABB1-31841A0443AA}"/>
+              </a:ext>
+            </a:extLst>
+          </p:cNvPr>
+          <p:cNvSpPr/>
+          <p:nvPr/>
+        </p:nvSpPr>
+        <p:spPr>
+          <a:xfrm>
+            <a:off x="3129794" y="3508239"/>
+            <a:ext cx="336884" cy="336884"/>
+          </a:xfrm>
+          <a:prstGeom prst="rect">
+            <a:avLst/>
+          </a:prstGeom>
+          <a:solidFill>
+            <a:schemeClr val="bg1">
+              <a:lumMod val="85000"/>
+            </a:schemeClr>
+          </a:solidFill>
+          <a:ln>
+            <a:solidFill>
+              <a:schemeClr val="tx1">
+                <a:lumMod val="50000"/>
+                <a:lumOff val="50000"/>
+              </a:schemeClr>
+            </a:solidFill>
+          </a:ln>
+        </p:spPr>
+        <p:style>
+          <a:lnRef idx="2">
+            <a:schemeClr val="accent1">
+              <a:shade val="50000"/>
+            </a:schemeClr>
+          </a:lnRef>
+          <a:fillRef idx="1">
+            <a:schemeClr val="accent1"/>
+          </a:fillRef>
+          <a:effectRef idx="0">
+            <a:schemeClr val="accent1"/>
+          </a:effectRef>
+          <a:fontRef idx="minor">
+            <a:schemeClr val="lt1"/>
+          </a:fontRef>
+        </p:style>
+        <p:txBody>
+          <a:bodyPr lIns="0" rIns="0" rtlCol="0" anchor="ctr"/>
+          <a:lstStyle/>
+          <a:p>
+            <a:pPr algn="ctr"/>
+            <a:r>
+              <a:rPr lang="en-US" sz="1400" dirty="0">
+                <a:solidFill>
+                  <a:schemeClr val="tx1"/>
+                </a:solidFill>
+              </a:rPr>
+              <a:t>4</a:t>
             </a:r>
           </a:p>
         </p:txBody>
